--- a/Movie ticket booking system.pptx
+++ b/Movie ticket booking system.pptx
@@ -220,7 +220,7 @@
           <a:p>
             <a:fld id="{65DD71D7-55AC-46BD-81B3-09AB2F9EFBD8}" type="datetimeFigureOut">
               <a:rPr lang="en-US" smtClean="0"/>
-              <a:t>10/2/2024</a:t>
+              <a:t>11/21/2024</a:t>
             </a:fld>
             <a:endParaRPr lang="en-US"/>
           </a:p>
@@ -385,7 +385,7 @@
           <a:p>
             <a:fld id="{1F89424F-BB59-4F4E-9822-4CA3E770FFD2}" type="datetimeFigureOut">
               <a:rPr lang="en-US" smtClean="0"/>
-              <a:t>10/2/2024</a:t>
+              <a:t>11/21/2024</a:t>
             </a:fld>
             <a:endParaRPr lang="en-US"/>
           </a:p>
@@ -1015,7 +1015,7 @@
             <a:fld id="{C9872EE9-AF66-483C-961F-59B9F002993E}" type="datetime1">
               <a:rPr lang="en-US" smtClean="0"/>
               <a:pPr/>
-              <a:t>10/2/2024</a:t>
+              <a:t>11/21/2024</a:t>
             </a:fld>
             <a:endParaRPr lang="en-US" dirty="0"/>
           </a:p>
@@ -1211,7 +1211,7 @@
             <a:fld id="{C7BEAFD5-7FA3-40FB-875B-457FB46B25A4}" type="datetime1">
               <a:rPr lang="en-US" smtClean="0"/>
               <a:pPr/>
-              <a:t>10/2/2024</a:t>
+              <a:t>11/21/2024</a:t>
             </a:fld>
             <a:endParaRPr lang="en-US" dirty="0"/>
           </a:p>
@@ -1397,7 +1397,7 @@
             <a:fld id="{89AD63E2-E931-4653-BB33-A910E07D11B2}" type="datetime1">
               <a:rPr lang="en-US" smtClean="0"/>
               <a:pPr/>
-              <a:t>10/2/2024</a:t>
+              <a:t>11/21/2024</a:t>
             </a:fld>
             <a:endParaRPr lang="en-US" dirty="0"/>
           </a:p>
@@ -1946,7 +1946,7 @@
             <a:fld id="{C9EA1F43-559A-4B47-A959-EFB6142CA3A9}" type="datetime1">
               <a:rPr lang="en-US" smtClean="0"/>
               <a:pPr/>
-              <a:t>10/2/2024</a:t>
+              <a:t>11/21/2024</a:t>
             </a:fld>
             <a:endParaRPr lang="en-US" dirty="0"/>
           </a:p>
@@ -2394,7 +2394,7 @@
             <a:fld id="{F1261AED-24AE-4AC7-940D-F7106D2788A3}" type="datetime1">
               <a:rPr lang="en-US" smtClean="0"/>
               <a:pPr/>
-              <a:t>10/2/2024</a:t>
+              <a:t>11/21/2024</a:t>
             </a:fld>
             <a:endParaRPr lang="en-US" dirty="0"/>
           </a:p>
@@ -2528,7 +2528,7 @@
             <a:fld id="{EC425771-5E10-4A19-AB0E-909293152332}" type="datetime1">
               <a:rPr lang="en-US" smtClean="0"/>
               <a:pPr/>
-              <a:t>10/2/2024</a:t>
+              <a:t>11/21/2024</a:t>
             </a:fld>
             <a:endParaRPr lang="en-US" dirty="0"/>
           </a:p>
@@ -2639,7 +2639,7 @@
             <a:fld id="{03606FD5-B03F-45D5-A178-114C548C0032}" type="datetime1">
               <a:rPr lang="en-US" smtClean="0"/>
               <a:pPr/>
-              <a:t>10/2/2024</a:t>
+              <a:t>11/21/2024</a:t>
             </a:fld>
             <a:endParaRPr lang="en-US" dirty="0"/>
           </a:p>
@@ -3024,7 +3024,7 @@
             <a:fld id="{E8B012C0-B102-441D-AA86-2C80DFA84E68}" type="datetime1">
               <a:rPr lang="en-US" smtClean="0"/>
               <a:pPr/>
-              <a:t>10/2/2024</a:t>
+              <a:t>11/21/2024</a:t>
             </a:fld>
             <a:endParaRPr lang="en-US" dirty="0"/>
           </a:p>
@@ -3349,7 +3349,7 @@
             <a:fld id="{601E0B12-F9DE-47EF-A076-CF602073F1B2}" type="datetime1">
               <a:rPr lang="en-US" smtClean="0"/>
               <a:pPr/>
-              <a:t>10/2/2024</a:t>
+              <a:t>11/21/2024</a:t>
             </a:fld>
             <a:endParaRPr lang="en-US" dirty="0"/>
           </a:p>
@@ -3652,7 +3652,7 @@
             <a:fld id="{C8B93266-8FB4-430B-8AE3-3A53F50E1A0B}" type="datetime1">
               <a:rPr lang="en-US" smtClean="0"/>
               <a:pPr/>
-              <a:t>10/2/2024</a:t>
+              <a:t>11/21/2024</a:t>
             </a:fld>
             <a:endParaRPr lang="en-US" dirty="0"/>
           </a:p>
@@ -4765,9 +4765,10 @@
           </a:p>
           <a:p>
             <a:r>
-              <a:rPr lang="en-US" dirty="0"/>
+              <a:rPr lang="en-US" smtClean="0"/>
               <a:t>Documentation</a:t>
             </a:r>
+            <a:endParaRPr lang="en-US" dirty="0"/>
           </a:p>
         </p:txBody>
       </p:sp>
